--- a/oldnotes/Week8-02.pptx
+++ b/oldnotes/Week8-02.pptx
@@ -241,7 +241,7 @@
       </p:grpSpPr>
       <p:sp>
         <p:nvSpPr>
-          <p:cNvPr id="2" name="Header Placeholder 1"/>
+          <p:cNvPr id="1355699415" name="Header Placeholder 1"/>
           <p:cNvSpPr>
             <a:spLocks noChangeArrowheads="1" noGrp="1"/>
           </p:cNvSpPr>
@@ -301,7 +301,7 @@
       </p:sp>
       <p:sp>
         <p:nvSpPr>
-          <p:cNvPr id="3" name="Date Placeholder 2"/>
+          <p:cNvPr id="1138643021" name="Date Placeholder 2"/>
           <p:cNvSpPr>
             <a:spLocks noChangeArrowheads="1" noGrp="1"/>
           </p:cNvSpPr>
@@ -365,7 +365,7 @@
       </p:sp>
       <p:sp>
         <p:nvSpPr>
-          <p:cNvPr id="4" name="Slide Image Placeholder 3"/>
+          <p:cNvPr id="1845720550" name="Slide Image Placeholder 3"/>
           <p:cNvSpPr>
             <a:spLocks noChangeArrowheads="1" noGrp="1"/>
           </p:cNvSpPr>
@@ -406,7 +406,7 @@
       </p:sp>
       <p:sp>
         <p:nvSpPr>
-          <p:cNvPr id="5" name="Notes Placeholder 4"/>
+          <p:cNvPr id="614363951" name="Notes Placeholder 4"/>
           <p:cNvSpPr>
             <a:spLocks noChangeArrowheads="1" noGrp="1"/>
           </p:cNvSpPr>
@@ -486,7 +486,7 @@
       </p:sp>
       <p:sp>
         <p:nvSpPr>
-          <p:cNvPr id="6" name="Footer Placeholder 5"/>
+          <p:cNvPr id="2004035809" name="Footer Placeholder 5"/>
           <p:cNvSpPr>
             <a:spLocks noChangeArrowheads="1" noGrp="1"/>
           </p:cNvSpPr>
@@ -550,7 +550,7 @@
       </p:sp>
       <p:sp>
         <p:nvSpPr>
-          <p:cNvPr id="7" name="Slide Number Placeholder 6"/>
+          <p:cNvPr id="1506430429" name="Slide Number Placeholder 6"/>
           <p:cNvSpPr>
             <a:spLocks noChangeArrowheads="1" noGrp="1"/>
           </p:cNvSpPr>
@@ -831,7 +831,7 @@
       </p:grpSpPr>
       <p:sp>
         <p:nvSpPr>
-          <p:cNvPr id="2" name="Slide Image Placeholder 1"/>
+          <p:cNvPr id="1106646960" name="Slide Image Placeholder 1"/>
           <p:cNvSpPr>
             <a:spLocks noChangeArrowheads="1" noGrp="1"/>
           </p:cNvSpPr>
@@ -848,7 +848,7 @@
       </p:sp>
       <p:sp>
         <p:nvSpPr>
-          <p:cNvPr id="3" name="Notes Placeholder 2"/>
+          <p:cNvPr id="35947271" name="Notes Placeholder 2"/>
           <p:cNvSpPr>
             <a:spLocks noChangeArrowheads="1" noGrp="1"/>
           </p:cNvSpPr>
@@ -880,7 +880,7 @@
       </p:sp>
       <p:sp>
         <p:nvSpPr>
-          <p:cNvPr id="4" name="Slide Number Placeholder 3"/>
+          <p:cNvPr id="133492840" name="Slide Number Placeholder 3"/>
           <p:cNvSpPr>
             <a:spLocks noChangeArrowheads="1" noGrp="1"/>
           </p:cNvSpPr>
@@ -961,7 +961,7 @@
       </p:grpSpPr>
       <p:sp>
         <p:nvSpPr>
-          <p:cNvPr id="2" name="Slide Image Placeholder 1"/>
+          <p:cNvPr id="1722610000" name="Slide Image Placeholder 1"/>
           <p:cNvSpPr>
             <a:spLocks noChangeArrowheads="1" noGrp="1"/>
           </p:cNvSpPr>
@@ -978,7 +978,7 @@
       </p:sp>
       <p:sp>
         <p:nvSpPr>
-          <p:cNvPr id="3" name="Notes Placeholder 2"/>
+          <p:cNvPr id="1350709090" name="Notes Placeholder 2"/>
           <p:cNvSpPr>
             <a:spLocks noChangeArrowheads="1" noGrp="1"/>
           </p:cNvSpPr>
@@ -1011,7 +1011,7 @@
       </p:sp>
       <p:sp>
         <p:nvSpPr>
-          <p:cNvPr id="4" name="Slide Number Placeholder 3"/>
+          <p:cNvPr id="2090915505" name="Slide Number Placeholder 3"/>
           <p:cNvSpPr>
             <a:spLocks noChangeArrowheads="1" noGrp="1"/>
           </p:cNvSpPr>
@@ -1067,7 +1067,7 @@
       </p:grpSpPr>
       <p:sp>
         <p:nvSpPr>
-          <p:cNvPr id="2" name="Slide Image Placeholder 1"/>
+          <p:cNvPr id="1272497939" name="Slide Image Placeholder 1"/>
           <p:cNvSpPr>
             <a:spLocks noChangeAspect="1" noGrp="1" noRot="1"/>
           </p:cNvSpPr>
@@ -1079,7 +1079,7 @@
       </p:sp>
       <p:sp>
         <p:nvSpPr>
-          <p:cNvPr id="3" name="Notes Placeholder 2"/>
+          <p:cNvPr id="95901827" name="Notes Placeholder 2"/>
           <p:cNvSpPr>
             <a:spLocks noGrp="1"/>
           </p:cNvSpPr>
@@ -1101,7 +1101,7 @@
       </p:sp>
       <p:sp>
         <p:nvSpPr>
-          <p:cNvPr id="4" name="Slide Number Placeholder 3"/>
+          <p:cNvPr id="2023849225" name="Slide Number Placeholder 3"/>
           <p:cNvSpPr>
             <a:spLocks noGrp="1"/>
           </p:cNvSpPr>
@@ -1127,6 +1127,9 @@
       </p:sp>
     </p:spTree>
   </p:cSld>
+  <p:clrMapOvr>
+    <a:masterClrMapping/>
+  </p:clrMapOvr>
 </p:notes>
 </file>
 
@@ -1156,7 +1159,7 @@
       </p:grpSpPr>
       <p:sp>
         <p:nvSpPr>
-          <p:cNvPr id="2" name="Slide Image Placeholder 1"/>
+          <p:cNvPr id="1995925062" name="Slide Image Placeholder 1"/>
           <p:cNvSpPr>
             <a:spLocks noChangeArrowheads="1" noGrp="1"/>
           </p:cNvSpPr>
@@ -1173,7 +1176,7 @@
       </p:sp>
       <p:sp>
         <p:nvSpPr>
-          <p:cNvPr id="3" name="Notes Placeholder 2"/>
+          <p:cNvPr id="977821031" name="Notes Placeholder 2"/>
           <p:cNvSpPr>
             <a:spLocks noChangeArrowheads="1" noGrp="1"/>
           </p:cNvSpPr>
@@ -1206,7 +1209,7 @@
       </p:sp>
       <p:sp>
         <p:nvSpPr>
-          <p:cNvPr id="4" name="Slide Number Placeholder 3"/>
+          <p:cNvPr id="1113775229" name="Slide Number Placeholder 3"/>
           <p:cNvSpPr>
             <a:spLocks noChangeArrowheads="1" noGrp="1"/>
           </p:cNvSpPr>
@@ -1269,7 +1272,7 @@
       </p:grpSpPr>
       <p:sp>
         <p:nvSpPr>
-          <p:cNvPr id="2" name="Slide Image Placeholder 1"/>
+          <p:cNvPr id="1599512441" name="Slide Image Placeholder 1"/>
           <p:cNvSpPr>
             <a:spLocks noChangeArrowheads="1" noGrp="1"/>
           </p:cNvSpPr>
@@ -1286,7 +1289,7 @@
       </p:sp>
       <p:sp>
         <p:nvSpPr>
-          <p:cNvPr id="3" name="Notes Placeholder 2"/>
+          <p:cNvPr id="227874320" name="Notes Placeholder 2"/>
           <p:cNvSpPr>
             <a:spLocks noChangeArrowheads="1" noGrp="1"/>
           </p:cNvSpPr>
@@ -1319,7 +1322,7 @@
       </p:sp>
       <p:sp>
         <p:nvSpPr>
-          <p:cNvPr id="4" name="Slide Number Placeholder 3"/>
+          <p:cNvPr id="744100413" name="Slide Number Placeholder 3"/>
           <p:cNvSpPr>
             <a:spLocks noChangeArrowheads="1" noGrp="1"/>
           </p:cNvSpPr>
@@ -1382,7 +1385,7 @@
       </p:grpSpPr>
       <p:sp>
         <p:nvSpPr>
-          <p:cNvPr id="2" name="Slide Image Placeholder 1"/>
+          <p:cNvPr id="1637437411" name="Slide Image Placeholder 1"/>
           <p:cNvSpPr>
             <a:spLocks noChangeArrowheads="1" noGrp="1"/>
           </p:cNvSpPr>
@@ -1399,7 +1402,7 @@
       </p:sp>
       <p:sp>
         <p:nvSpPr>
-          <p:cNvPr id="3" name="Notes Placeholder 2"/>
+          <p:cNvPr id="331248996" name="Notes Placeholder 2"/>
           <p:cNvSpPr>
             <a:spLocks noChangeArrowheads="1" noGrp="1"/>
           </p:cNvSpPr>
@@ -1432,7 +1435,7 @@
       </p:sp>
       <p:sp>
         <p:nvSpPr>
-          <p:cNvPr id="4" name="Slide Number Placeholder 3"/>
+          <p:cNvPr id="501703669" name="Slide Number Placeholder 3"/>
           <p:cNvSpPr>
             <a:spLocks noChangeArrowheads="1" noGrp="1"/>
           </p:cNvSpPr>
@@ -1495,7 +1498,7 @@
       </p:grpSpPr>
       <p:sp>
         <p:nvSpPr>
-          <p:cNvPr id="2" name="Slide Image Placeholder 1"/>
+          <p:cNvPr id="1896343742" name="Slide Image Placeholder 1"/>
           <p:cNvSpPr>
             <a:spLocks noChangeArrowheads="1" noGrp="1"/>
           </p:cNvSpPr>
@@ -1512,7 +1515,7 @@
       </p:sp>
       <p:sp>
         <p:nvSpPr>
-          <p:cNvPr id="3" name="Notes Placeholder 2"/>
+          <p:cNvPr id="100650120" name="Notes Placeholder 2"/>
           <p:cNvSpPr>
             <a:spLocks noChangeArrowheads="1" noGrp="1"/>
           </p:cNvSpPr>
@@ -1545,7 +1548,7 @@
       </p:sp>
       <p:sp>
         <p:nvSpPr>
-          <p:cNvPr id="4" name="Slide Number Placeholder 3"/>
+          <p:cNvPr id="1812479290" name="Slide Number Placeholder 3"/>
           <p:cNvSpPr>
             <a:spLocks noChangeArrowheads="1" noGrp="1"/>
           </p:cNvSpPr>
@@ -1608,7 +1611,7 @@
       </p:grpSpPr>
       <p:sp>
         <p:nvSpPr>
-          <p:cNvPr id="2" name="Slide Image Placeholder 1"/>
+          <p:cNvPr id="333593884" name="Slide Image Placeholder 1"/>
           <p:cNvSpPr>
             <a:spLocks noChangeArrowheads="1" noGrp="1"/>
           </p:cNvSpPr>
@@ -1625,7 +1628,7 @@
       </p:sp>
       <p:sp>
         <p:nvSpPr>
-          <p:cNvPr id="3" name="Notes Placeholder 2"/>
+          <p:cNvPr id="1219010218" name="Notes Placeholder 2"/>
           <p:cNvSpPr>
             <a:spLocks noChangeArrowheads="1" noGrp="1"/>
           </p:cNvSpPr>
@@ -1658,7 +1661,7 @@
       </p:sp>
       <p:sp>
         <p:nvSpPr>
-          <p:cNvPr id="4" name="Slide Number Placeholder 3"/>
+          <p:cNvPr id="65385769" name="Slide Number Placeholder 3"/>
           <p:cNvSpPr>
             <a:spLocks noChangeArrowheads="1" noGrp="1"/>
           </p:cNvSpPr>
@@ -1714,7 +1717,7 @@
       </p:grpSpPr>
       <p:sp>
         <p:nvSpPr>
-          <p:cNvPr id="435463197" name="Slide Image Placeholder 1"/>
+          <p:cNvPr id="1768242673" name="Slide Image Placeholder 1"/>
           <p:cNvSpPr>
             <a:spLocks noChangeAspect="1" noGrp="1" noRot="1"/>
           </p:cNvSpPr>
@@ -1726,7 +1729,7 @@
       </p:sp>
       <p:sp>
         <p:nvSpPr>
-          <p:cNvPr id="1924539910" name="Notes Placeholder 2"/>
+          <p:cNvPr id="1021783077" name="Notes Placeholder 2"/>
           <p:cNvSpPr>
             <a:spLocks noGrp="1"/>
           </p:cNvSpPr>
@@ -1748,7 +1751,7 @@
       </p:sp>
       <p:sp>
         <p:nvSpPr>
-          <p:cNvPr id="723603360" name="Slide Number Placeholder 3"/>
+          <p:cNvPr id="608500197" name="Slide Number Placeholder 3"/>
           <p:cNvSpPr>
             <a:spLocks noGrp="1"/>
           </p:cNvSpPr>
@@ -1774,6 +1777,9 @@
       </p:sp>
     </p:spTree>
   </p:cSld>
+  <p:clrMapOvr>
+    <a:masterClrMapping/>
+  </p:clrMapOvr>
 </p:notes>
 </file>
 
@@ -1803,7 +1809,7 @@
       </p:grpSpPr>
       <p:sp>
         <p:nvSpPr>
-          <p:cNvPr id="2" name="Slide Image Placeholder 1"/>
+          <p:cNvPr id="20900450" name="Slide Image Placeholder 1"/>
           <p:cNvSpPr>
             <a:spLocks noChangeArrowheads="1" noGrp="1"/>
           </p:cNvSpPr>
@@ -1820,7 +1826,7 @@
       </p:sp>
       <p:sp>
         <p:nvSpPr>
-          <p:cNvPr id="3" name="Notes Placeholder 2"/>
+          <p:cNvPr id="151591835" name="Notes Placeholder 2"/>
           <p:cNvSpPr>
             <a:spLocks noChangeArrowheads="1" noGrp="1"/>
           </p:cNvSpPr>
@@ -1853,7 +1859,7 @@
       </p:sp>
       <p:sp>
         <p:nvSpPr>
-          <p:cNvPr id="4" name="Slide Number Placeholder 3"/>
+          <p:cNvPr id="1446771034" name="Slide Number Placeholder 3"/>
           <p:cNvSpPr>
             <a:spLocks noChangeArrowheads="1" noGrp="1"/>
           </p:cNvSpPr>
@@ -1916,7 +1922,7 @@
       </p:grpSpPr>
       <p:sp>
         <p:nvSpPr>
-          <p:cNvPr id="2" name="Slide Image Placeholder 1"/>
+          <p:cNvPr id="780858587" name="Slide Image Placeholder 1"/>
           <p:cNvSpPr>
             <a:spLocks noChangeArrowheads="1" noGrp="1"/>
           </p:cNvSpPr>
@@ -1933,7 +1939,7 @@
       </p:sp>
       <p:sp>
         <p:nvSpPr>
-          <p:cNvPr id="3" name="Notes Placeholder 2"/>
+          <p:cNvPr id="865943326" name="Notes Placeholder 2"/>
           <p:cNvSpPr>
             <a:spLocks noChangeArrowheads="1" noGrp="1"/>
           </p:cNvSpPr>
@@ -1965,7 +1971,7 @@
       </p:sp>
       <p:sp>
         <p:nvSpPr>
-          <p:cNvPr id="4" name="Slide Number Placeholder 3"/>
+          <p:cNvPr id="1699237428" name="Slide Number Placeholder 3"/>
           <p:cNvSpPr>
             <a:spLocks noChangeArrowheads="1" noGrp="1"/>
           </p:cNvSpPr>
@@ -2028,7 +2034,7 @@
       </p:grpSpPr>
       <p:sp>
         <p:nvSpPr>
-          <p:cNvPr id="2" name="Slide Image Placeholder 1"/>
+          <p:cNvPr id="71560251" name="Slide Image Placeholder 1"/>
           <p:cNvSpPr>
             <a:spLocks noChangeArrowheads="1" noGrp="1"/>
           </p:cNvSpPr>
@@ -2045,7 +2051,7 @@
       </p:sp>
       <p:sp>
         <p:nvSpPr>
-          <p:cNvPr id="3" name="Notes Placeholder 2"/>
+          <p:cNvPr id="309124786" name="Notes Placeholder 2"/>
           <p:cNvSpPr>
             <a:spLocks noChangeArrowheads="1" noGrp="1"/>
           </p:cNvSpPr>
@@ -2078,7 +2084,7 @@
       </p:sp>
       <p:sp>
         <p:nvSpPr>
-          <p:cNvPr id="4" name="Slide Number Placeholder 3"/>
+          <p:cNvPr id="1195696375" name="Slide Number Placeholder 3"/>
           <p:cNvSpPr>
             <a:spLocks noChangeArrowheads="1" noGrp="1"/>
           </p:cNvSpPr>
@@ -2141,7 +2147,7 @@
       </p:grpSpPr>
       <p:sp>
         <p:nvSpPr>
-          <p:cNvPr id="2" name="Slide Image Placeholder 1"/>
+          <p:cNvPr id="1865704999" name="Slide Image Placeholder 1"/>
           <p:cNvSpPr>
             <a:spLocks noChangeArrowheads="1" noGrp="1"/>
           </p:cNvSpPr>
@@ -2158,7 +2164,7 @@
       </p:sp>
       <p:sp>
         <p:nvSpPr>
-          <p:cNvPr id="3" name="Notes Placeholder 2"/>
+          <p:cNvPr id="700555474" name="Notes Placeholder 2"/>
           <p:cNvSpPr>
             <a:spLocks noChangeArrowheads="1" noGrp="1"/>
           </p:cNvSpPr>
@@ -2191,7 +2197,7 @@
       </p:sp>
       <p:sp>
         <p:nvSpPr>
-          <p:cNvPr id="4" name="Slide Number Placeholder 3"/>
+          <p:cNvPr id="492681133" name="Slide Number Placeholder 3"/>
           <p:cNvSpPr>
             <a:spLocks noChangeArrowheads="1" noGrp="1"/>
           </p:cNvSpPr>
@@ -2254,7 +2260,7 @@
       </p:grpSpPr>
       <p:sp>
         <p:nvSpPr>
-          <p:cNvPr id="2" name="Slide Image Placeholder 1"/>
+          <p:cNvPr id="170240968" name="Slide Image Placeholder 1"/>
           <p:cNvSpPr>
             <a:spLocks noChangeArrowheads="1" noGrp="1"/>
           </p:cNvSpPr>
@@ -2271,7 +2277,7 @@
       </p:sp>
       <p:sp>
         <p:nvSpPr>
-          <p:cNvPr id="3" name="Notes Placeholder 2"/>
+          <p:cNvPr id="1762869510" name="Notes Placeholder 2"/>
           <p:cNvSpPr>
             <a:spLocks noChangeArrowheads="1" noGrp="1"/>
           </p:cNvSpPr>
@@ -2304,7 +2310,7 @@
       </p:sp>
       <p:sp>
         <p:nvSpPr>
-          <p:cNvPr id="4" name="Slide Number Placeholder 3"/>
+          <p:cNvPr id="1817301529" name="Slide Number Placeholder 3"/>
           <p:cNvSpPr>
             <a:spLocks noChangeArrowheads="1" noGrp="1"/>
           </p:cNvSpPr>
@@ -2360,7 +2366,7 @@
       </p:grpSpPr>
       <p:sp>
         <p:nvSpPr>
-          <p:cNvPr id="2" name="Slide Image Placeholder 1"/>
+          <p:cNvPr id="1079040185" name="Slide Image Placeholder 1"/>
           <p:cNvSpPr>
             <a:spLocks noChangeAspect="1" noGrp="1" noRot="1"/>
           </p:cNvSpPr>
@@ -2372,7 +2378,7 @@
       </p:sp>
       <p:sp>
         <p:nvSpPr>
-          <p:cNvPr id="3" name="Notes Placeholder 2"/>
+          <p:cNvPr id="378583913" name="Notes Placeholder 2"/>
           <p:cNvSpPr>
             <a:spLocks noGrp="1"/>
           </p:cNvSpPr>
@@ -2394,7 +2400,7 @@
       </p:sp>
       <p:sp>
         <p:nvSpPr>
-          <p:cNvPr id="4" name="Slide Number Placeholder 3"/>
+          <p:cNvPr id="1963260131" name="Slide Number Placeholder 3"/>
           <p:cNvSpPr>
             <a:spLocks noGrp="1"/>
           </p:cNvSpPr>
@@ -2420,6 +2426,9 @@
       </p:sp>
     </p:spTree>
   </p:cSld>
+  <p:clrMapOvr>
+    <a:masterClrMapping/>
+  </p:clrMapOvr>
 </p:notes>
 </file>
 
@@ -2449,7 +2458,7 @@
       </p:grpSpPr>
       <p:sp>
         <p:nvSpPr>
-          <p:cNvPr id="2" name="Slide Image Placeholder 1"/>
+          <p:cNvPr id="286756967" name="Slide Image Placeholder 1"/>
           <p:cNvSpPr>
             <a:spLocks noChangeArrowheads="1" noGrp="1"/>
           </p:cNvSpPr>
@@ -2466,7 +2475,7 @@
       </p:sp>
       <p:sp>
         <p:nvSpPr>
-          <p:cNvPr id="3" name="Notes Placeholder 2"/>
+          <p:cNvPr id="100120490" name="Notes Placeholder 2"/>
           <p:cNvSpPr>
             <a:spLocks noChangeArrowheads="1" noGrp="1"/>
           </p:cNvSpPr>
@@ -2499,7 +2508,7 @@
       </p:sp>
       <p:sp>
         <p:nvSpPr>
-          <p:cNvPr id="4" name="Slide Number Placeholder 3"/>
+          <p:cNvPr id="1998825582" name="Slide Number Placeholder 3"/>
           <p:cNvSpPr>
             <a:spLocks noChangeArrowheads="1" noGrp="1"/>
           </p:cNvSpPr>
@@ -2562,7 +2571,7 @@
       </p:grpSpPr>
       <p:sp>
         <p:nvSpPr>
-          <p:cNvPr id="2" name="Slide Image Placeholder 1"/>
+          <p:cNvPr id="1442839203" name="Slide Image Placeholder 1"/>
           <p:cNvSpPr>
             <a:spLocks noChangeArrowheads="1" noGrp="1"/>
           </p:cNvSpPr>
@@ -2579,7 +2588,7 @@
       </p:sp>
       <p:sp>
         <p:nvSpPr>
-          <p:cNvPr id="3" name="Notes Placeholder 2"/>
+          <p:cNvPr id="753957043" name="Notes Placeholder 2"/>
           <p:cNvSpPr>
             <a:spLocks noChangeArrowheads="1" noGrp="1"/>
           </p:cNvSpPr>
@@ -2612,7 +2621,7 @@
       </p:sp>
       <p:sp>
         <p:nvSpPr>
-          <p:cNvPr id="4" name="Slide Number Placeholder 3"/>
+          <p:cNvPr id="1178965835" name="Slide Number Placeholder 3"/>
           <p:cNvSpPr>
             <a:spLocks noChangeArrowheads="1" noGrp="1"/>
           </p:cNvSpPr>
@@ -2675,7 +2684,7 @@
       </p:grpSpPr>
       <p:sp>
         <p:nvSpPr>
-          <p:cNvPr id="2" name="Slide Image Placeholder 1"/>
+          <p:cNvPr id="64259627" name="Slide Image Placeholder 1"/>
           <p:cNvSpPr>
             <a:spLocks noChangeArrowheads="1" noGrp="1"/>
           </p:cNvSpPr>
@@ -2692,7 +2701,7 @@
       </p:sp>
       <p:sp>
         <p:nvSpPr>
-          <p:cNvPr id="3" name="Notes Placeholder 2"/>
+          <p:cNvPr id="1335759375" name="Notes Placeholder 2"/>
           <p:cNvSpPr>
             <a:spLocks noChangeArrowheads="1" noGrp="1"/>
           </p:cNvSpPr>
@@ -2725,7 +2734,7 @@
       </p:sp>
       <p:sp>
         <p:nvSpPr>
-          <p:cNvPr id="4" name="Slide Number Placeholder 3"/>
+          <p:cNvPr id="924025998" name="Slide Number Placeholder 3"/>
           <p:cNvSpPr>
             <a:spLocks noChangeArrowheads="1" noGrp="1"/>
           </p:cNvSpPr>
@@ -2788,7 +2797,7 @@
       </p:grpSpPr>
       <p:sp>
         <p:nvSpPr>
-          <p:cNvPr id="2" name="Slide Image Placeholder 1"/>
+          <p:cNvPr id="720203845" name="Slide Image Placeholder 1"/>
           <p:cNvSpPr>
             <a:spLocks noChangeArrowheads="1" noGrp="1"/>
           </p:cNvSpPr>
@@ -2805,7 +2814,7 @@
       </p:sp>
       <p:sp>
         <p:nvSpPr>
-          <p:cNvPr id="3" name="Notes Placeholder 2"/>
+          <p:cNvPr id="1878040169" name="Notes Placeholder 2"/>
           <p:cNvSpPr>
             <a:spLocks noChangeArrowheads="1" noGrp="1"/>
           </p:cNvSpPr>
@@ -2838,7 +2847,7 @@
       </p:sp>
       <p:sp>
         <p:nvSpPr>
-          <p:cNvPr id="4" name="Slide Number Placeholder 3"/>
+          <p:cNvPr id="275699937" name="Slide Number Placeholder 3"/>
           <p:cNvSpPr>
             <a:spLocks noChangeArrowheads="1" noGrp="1"/>
           </p:cNvSpPr>
@@ -2894,7 +2903,7 @@
       </p:grpSpPr>
       <p:sp>
         <p:nvSpPr>
-          <p:cNvPr id="2" name="Title 1"/>
+          <p:cNvPr id="669284130" name="Title 1"/>
           <p:cNvSpPr>
             <a:spLocks noChangeArrowheads="1" noGrp="1"/>
           </p:cNvSpPr>
@@ -2955,7 +2964,7 @@
       </p:sp>
       <p:sp>
         <p:nvSpPr>
-          <p:cNvPr id="3" name="Subtitle 2"/>
+          <p:cNvPr id="17028914" name="Subtitle 2"/>
           <p:cNvSpPr>
             <a:spLocks noChangeArrowheads="1" noGrp="1"/>
           </p:cNvSpPr>
@@ -3023,7 +3032,7 @@
       </p:sp>
       <p:sp>
         <p:nvSpPr>
-          <p:cNvPr id="4" name="Date Placeholder 3"/>
+          <p:cNvPr id="1140228141" name="Date Placeholder 3"/>
           <p:cNvSpPr>
             <a:spLocks noChangeArrowheads="1" noGrp="1"/>
           </p:cNvSpPr>
@@ -3049,7 +3058,7 @@
       </p:sp>
       <p:sp>
         <p:nvSpPr>
-          <p:cNvPr id="5" name="Footer Placeholder 4"/>
+          <p:cNvPr id="1556953937" name="Footer Placeholder 4"/>
           <p:cNvSpPr>
             <a:spLocks noChangeArrowheads="1" noGrp="1"/>
           </p:cNvSpPr>
@@ -3071,7 +3080,7 @@
       </p:sp>
       <p:sp>
         <p:nvSpPr>
-          <p:cNvPr id="6" name="Slide Number Placeholder 5"/>
+          <p:cNvPr id="1926947475" name="Slide Number Placeholder 5"/>
           <p:cNvSpPr>
             <a:spLocks noChangeArrowheads="1" noGrp="1"/>
           </p:cNvSpPr>
@@ -3123,7 +3132,7 @@
       </p:grpSpPr>
       <p:sp>
         <p:nvSpPr>
-          <p:cNvPr id="2" name="Title 1"/>
+          <p:cNvPr id="326377807" name="Title 1"/>
           <p:cNvSpPr>
             <a:spLocks noChangeArrowheads="1" noGrp="1"/>
           </p:cNvSpPr>
@@ -3149,7 +3158,7 @@
       </p:sp>
       <p:sp>
         <p:nvSpPr>
-          <p:cNvPr id="3" name="Vertical Text Placeholder 2"/>
+          <p:cNvPr id="238148637" name="Vertical Text Placeholder 2"/>
           <p:cNvSpPr>
             <a:spLocks noChangeArrowheads="1" noGrp="1"/>
           </p:cNvSpPr>
@@ -3217,7 +3226,7 @@
       </p:sp>
       <p:sp>
         <p:nvSpPr>
-          <p:cNvPr id="4" name="Date Placeholder 3"/>
+          <p:cNvPr id="84559852" name="Date Placeholder 3"/>
           <p:cNvSpPr>
             <a:spLocks noChangeArrowheads="1" noGrp="1"/>
           </p:cNvSpPr>
@@ -3243,7 +3252,7 @@
       </p:sp>
       <p:sp>
         <p:nvSpPr>
-          <p:cNvPr id="5" name="Footer Placeholder 4"/>
+          <p:cNvPr id="9686851" name="Footer Placeholder 4"/>
           <p:cNvSpPr>
             <a:spLocks noChangeArrowheads="1" noGrp="1"/>
           </p:cNvSpPr>
@@ -3265,7 +3274,7 @@
       </p:sp>
       <p:sp>
         <p:nvSpPr>
-          <p:cNvPr id="6" name="Slide Number Placeholder 5"/>
+          <p:cNvPr id="906843098" name="Slide Number Placeholder 5"/>
           <p:cNvSpPr>
             <a:spLocks noChangeArrowheads="1" noGrp="1"/>
           </p:cNvSpPr>
@@ -3317,7 +3326,7 @@
       </p:grpSpPr>
       <p:sp>
         <p:nvSpPr>
-          <p:cNvPr id="2" name="Vertical Title 1"/>
+          <p:cNvPr id="855091298" name="Vertical Title 1"/>
           <p:cNvSpPr>
             <a:spLocks noChangeArrowheads="1" noGrp="1"/>
           </p:cNvSpPr>
@@ -3350,7 +3359,7 @@
       </p:sp>
       <p:sp>
         <p:nvSpPr>
-          <p:cNvPr id="3" name="Vertical Text Placeholder 2"/>
+          <p:cNvPr id="1534391501" name="Vertical Text Placeholder 2"/>
           <p:cNvSpPr>
             <a:spLocks noChangeArrowheads="1" noGrp="1"/>
           </p:cNvSpPr>
@@ -3423,7 +3432,7 @@
       </p:sp>
       <p:sp>
         <p:nvSpPr>
-          <p:cNvPr id="4" name="Date Placeholder 3"/>
+          <p:cNvPr id="1144173295" name="Date Placeholder 3"/>
           <p:cNvSpPr>
             <a:spLocks noChangeArrowheads="1" noGrp="1"/>
           </p:cNvSpPr>
@@ -3449,7 +3458,7 @@
       </p:sp>
       <p:sp>
         <p:nvSpPr>
-          <p:cNvPr id="5" name="Footer Placeholder 4"/>
+          <p:cNvPr id="610953084" name="Footer Placeholder 4"/>
           <p:cNvSpPr>
             <a:spLocks noChangeArrowheads="1" noGrp="1"/>
           </p:cNvSpPr>
@@ -3471,7 +3480,7 @@
       </p:sp>
       <p:sp>
         <p:nvSpPr>
-          <p:cNvPr id="6" name="Slide Number Placeholder 5"/>
+          <p:cNvPr id="1232842008" name="Slide Number Placeholder 5"/>
           <p:cNvSpPr>
             <a:spLocks noChangeArrowheads="1" noGrp="1"/>
           </p:cNvSpPr>
@@ -3523,7 +3532,7 @@
       </p:grpSpPr>
       <p:sp>
         <p:nvSpPr>
-          <p:cNvPr id="2" name="Title 1"/>
+          <p:cNvPr id="1168616021" name="Title 1"/>
           <p:cNvSpPr>
             <a:spLocks noChangeArrowheads="1" noGrp="1"/>
           </p:cNvSpPr>
@@ -3549,7 +3558,7 @@
       </p:sp>
       <p:sp>
         <p:nvSpPr>
-          <p:cNvPr id="3" name="Content Placeholder 2"/>
+          <p:cNvPr id="641343563" name="Content Placeholder 2"/>
           <p:cNvSpPr>
             <a:spLocks noChangeArrowheads="1" noGrp="1"/>
           </p:cNvSpPr>
@@ -3615,7 +3624,7 @@
       </p:sp>
       <p:sp>
         <p:nvSpPr>
-          <p:cNvPr id="4" name="Date Placeholder 3"/>
+          <p:cNvPr id="699396107" name="Date Placeholder 3"/>
           <p:cNvSpPr>
             <a:spLocks noChangeArrowheads="1" noGrp="1"/>
           </p:cNvSpPr>
@@ -3641,7 +3650,7 @@
       </p:sp>
       <p:sp>
         <p:nvSpPr>
-          <p:cNvPr id="5" name="Footer Placeholder 4"/>
+          <p:cNvPr id="217558397" name="Footer Placeholder 4"/>
           <p:cNvSpPr>
             <a:spLocks noChangeArrowheads="1" noGrp="1"/>
           </p:cNvSpPr>
@@ -3663,7 +3672,7 @@
       </p:sp>
       <p:sp>
         <p:nvSpPr>
-          <p:cNvPr id="6" name="Slide Number Placeholder 5"/>
+          <p:cNvPr id="190206153" name="Slide Number Placeholder 5"/>
           <p:cNvSpPr>
             <a:spLocks noChangeArrowheads="1" noGrp="1"/>
           </p:cNvSpPr>
@@ -3715,7 +3724,7 @@
       </p:grpSpPr>
       <p:sp>
         <p:nvSpPr>
-          <p:cNvPr id="2" name="Title 1"/>
+          <p:cNvPr id="1337875907" name="Title 1"/>
           <p:cNvSpPr>
             <a:spLocks noChangeArrowheads="1" noGrp="1"/>
           </p:cNvSpPr>
@@ -3776,7 +3785,7 @@
       </p:sp>
       <p:sp>
         <p:nvSpPr>
-          <p:cNvPr id="3" name="Text Placeholder 2"/>
+          <p:cNvPr id="515278614" name="Text Placeholder 2"/>
           <p:cNvSpPr>
             <a:spLocks noChangeArrowheads="1" noGrp="1"/>
           </p:cNvSpPr>
@@ -3880,7 +3889,7 @@
       </p:sp>
       <p:sp>
         <p:nvSpPr>
-          <p:cNvPr id="4" name="Date Placeholder 3"/>
+          <p:cNvPr id="30841359" name="Date Placeholder 3"/>
           <p:cNvSpPr>
             <a:spLocks noChangeArrowheads="1" noGrp="1"/>
           </p:cNvSpPr>
@@ -3906,7 +3915,7 @@
       </p:sp>
       <p:sp>
         <p:nvSpPr>
-          <p:cNvPr id="5" name="Footer Placeholder 4"/>
+          <p:cNvPr id="1301324989" name="Footer Placeholder 4"/>
           <p:cNvSpPr>
             <a:spLocks noChangeArrowheads="1" noGrp="1"/>
           </p:cNvSpPr>
@@ -3928,7 +3937,7 @@
       </p:sp>
       <p:sp>
         <p:nvSpPr>
-          <p:cNvPr id="6" name="Slide Number Placeholder 5"/>
+          <p:cNvPr id="2014785448" name="Slide Number Placeholder 5"/>
           <p:cNvSpPr>
             <a:spLocks noChangeArrowheads="1" noGrp="1"/>
           </p:cNvSpPr>
@@ -3980,7 +3989,7 @@
       </p:grpSpPr>
       <p:sp>
         <p:nvSpPr>
-          <p:cNvPr id="2" name="Title 1"/>
+          <p:cNvPr id="560802322" name="Title 1"/>
           <p:cNvSpPr>
             <a:spLocks noChangeArrowheads="1" noGrp="1"/>
           </p:cNvSpPr>
@@ -4006,7 +4015,7 @@
       </p:sp>
       <p:sp>
         <p:nvSpPr>
-          <p:cNvPr id="3" name="Content Placeholder 2"/>
+          <p:cNvPr id="1443705203" name="Content Placeholder 2"/>
           <p:cNvSpPr>
             <a:spLocks noChangeArrowheads="1" noGrp="1"/>
           </p:cNvSpPr>
@@ -4077,7 +4086,7 @@
       </p:sp>
       <p:sp>
         <p:nvSpPr>
-          <p:cNvPr id="4" name="Content Placeholder 3"/>
+          <p:cNvPr id="794578600" name="Content Placeholder 3"/>
           <p:cNvSpPr>
             <a:spLocks noChangeArrowheads="1" noGrp="1"/>
           </p:cNvSpPr>
@@ -4148,7 +4157,7 @@
       </p:sp>
       <p:sp>
         <p:nvSpPr>
-          <p:cNvPr id="5" name="Date Placeholder 4"/>
+          <p:cNvPr id="1923348013" name="Date Placeholder 4"/>
           <p:cNvSpPr>
             <a:spLocks noChangeArrowheads="1" noGrp="1"/>
           </p:cNvSpPr>
@@ -4174,7 +4183,7 @@
       </p:sp>
       <p:sp>
         <p:nvSpPr>
-          <p:cNvPr id="6" name="Footer Placeholder 5"/>
+          <p:cNvPr id="991202957" name="Footer Placeholder 5"/>
           <p:cNvSpPr>
             <a:spLocks noChangeArrowheads="1" noGrp="1"/>
           </p:cNvSpPr>
@@ -4196,7 +4205,7 @@
       </p:sp>
       <p:sp>
         <p:nvSpPr>
-          <p:cNvPr id="7" name="Slide Number Placeholder 6"/>
+          <p:cNvPr id="586289039" name="Slide Number Placeholder 6"/>
           <p:cNvSpPr>
             <a:spLocks noChangeArrowheads="1" noGrp="1"/>
           </p:cNvSpPr>
@@ -4248,7 +4257,7 @@
       </p:grpSpPr>
       <p:sp>
         <p:nvSpPr>
-          <p:cNvPr id="2" name="Title 1"/>
+          <p:cNvPr id="1588840321" name="Title 1"/>
           <p:cNvSpPr>
             <a:spLocks noChangeArrowheads="1" noGrp="1"/>
           </p:cNvSpPr>
@@ -4279,7 +4288,7 @@
       </p:sp>
       <p:sp>
         <p:nvSpPr>
-          <p:cNvPr id="3" name="Text Placeholder 2"/>
+          <p:cNvPr id="1624148658" name="Text Placeholder 2"/>
           <p:cNvSpPr>
             <a:spLocks noChangeArrowheads="1" noGrp="1"/>
           </p:cNvSpPr>
@@ -4349,7 +4358,7 @@
       </p:sp>
       <p:sp>
         <p:nvSpPr>
-          <p:cNvPr id="4" name="Content Placeholder 3"/>
+          <p:cNvPr id="1557087068" name="Content Placeholder 3"/>
           <p:cNvSpPr>
             <a:spLocks noChangeArrowheads="1" noGrp="1"/>
           </p:cNvSpPr>
@@ -4420,7 +4429,7 @@
       </p:sp>
       <p:sp>
         <p:nvSpPr>
-          <p:cNvPr id="5" name="Text Placeholder 4"/>
+          <p:cNvPr id="254983264" name="Text Placeholder 4"/>
           <p:cNvSpPr>
             <a:spLocks noChangeArrowheads="1" noGrp="1"/>
           </p:cNvSpPr>
@@ -4490,7 +4499,7 @@
       </p:sp>
       <p:sp>
         <p:nvSpPr>
-          <p:cNvPr id="6" name="Content Placeholder 5"/>
+          <p:cNvPr id="945910204" name="Content Placeholder 5"/>
           <p:cNvSpPr>
             <a:spLocks noChangeArrowheads="1" noGrp="1"/>
           </p:cNvSpPr>
@@ -4561,7 +4570,7 @@
       </p:sp>
       <p:sp>
         <p:nvSpPr>
-          <p:cNvPr id="7" name="Date Placeholder 6"/>
+          <p:cNvPr id="441931161" name="Date Placeholder 6"/>
           <p:cNvSpPr>
             <a:spLocks noChangeArrowheads="1" noGrp="1"/>
           </p:cNvSpPr>
@@ -4587,7 +4596,7 @@
       </p:sp>
       <p:sp>
         <p:nvSpPr>
-          <p:cNvPr id="8" name="Footer Placeholder 7"/>
+          <p:cNvPr id="1024095341" name="Footer Placeholder 7"/>
           <p:cNvSpPr>
             <a:spLocks noChangeArrowheads="1" noGrp="1"/>
           </p:cNvSpPr>
@@ -4609,7 +4618,7 @@
       </p:sp>
       <p:sp>
         <p:nvSpPr>
-          <p:cNvPr id="9" name="Slide Number Placeholder 8"/>
+          <p:cNvPr id="1680006454" name="Slide Number Placeholder 8"/>
           <p:cNvSpPr>
             <a:spLocks noChangeArrowheads="1" noGrp="1"/>
           </p:cNvSpPr>
@@ -4661,7 +4670,7 @@
       </p:grpSpPr>
       <p:sp>
         <p:nvSpPr>
-          <p:cNvPr id="2" name="Title 1"/>
+          <p:cNvPr id="1521486132" name="Title 1"/>
           <p:cNvSpPr>
             <a:spLocks noChangeArrowheads="1" noGrp="1"/>
           </p:cNvSpPr>
@@ -4687,7 +4696,7 @@
       </p:sp>
       <p:sp>
         <p:nvSpPr>
-          <p:cNvPr id="3" name="Date Placeholder 2"/>
+          <p:cNvPr id="1006045197" name="Date Placeholder 2"/>
           <p:cNvSpPr>
             <a:spLocks noChangeArrowheads="1" noGrp="1"/>
           </p:cNvSpPr>
@@ -4713,7 +4722,7 @@
       </p:sp>
       <p:sp>
         <p:nvSpPr>
-          <p:cNvPr id="4" name="Footer Placeholder 3"/>
+          <p:cNvPr id="336796279" name="Footer Placeholder 3"/>
           <p:cNvSpPr>
             <a:spLocks noChangeArrowheads="1" noGrp="1"/>
           </p:cNvSpPr>
@@ -4735,7 +4744,7 @@
       </p:sp>
       <p:sp>
         <p:nvSpPr>
-          <p:cNvPr id="5" name="Slide Number Placeholder 4"/>
+          <p:cNvPr id="110241614" name="Slide Number Placeholder 4"/>
           <p:cNvSpPr>
             <a:spLocks noChangeArrowheads="1" noGrp="1"/>
           </p:cNvSpPr>
@@ -4787,7 +4796,7 @@
       </p:grpSpPr>
       <p:sp>
         <p:nvSpPr>
-          <p:cNvPr id="2" name="Date Placeholder 1"/>
+          <p:cNvPr id="1005079051" name="Date Placeholder 1"/>
           <p:cNvSpPr>
             <a:spLocks noChangeArrowheads="1" noGrp="1"/>
           </p:cNvSpPr>
@@ -4813,7 +4822,7 @@
       </p:sp>
       <p:sp>
         <p:nvSpPr>
-          <p:cNvPr id="3" name="Footer Placeholder 2"/>
+          <p:cNvPr id="1339693785" name="Footer Placeholder 2"/>
           <p:cNvSpPr>
             <a:spLocks noChangeArrowheads="1" noGrp="1"/>
           </p:cNvSpPr>
@@ -4835,7 +4844,7 @@
       </p:sp>
       <p:sp>
         <p:nvSpPr>
-          <p:cNvPr id="4" name="Slide Number Placeholder 3"/>
+          <p:cNvPr id="438102029" name="Slide Number Placeholder 3"/>
           <p:cNvSpPr>
             <a:spLocks noChangeArrowheads="1" noGrp="1"/>
           </p:cNvSpPr>
@@ -4887,7 +4896,7 @@
       </p:grpSpPr>
       <p:sp>
         <p:nvSpPr>
-          <p:cNvPr id="2" name="Title 1"/>
+          <p:cNvPr id="1926924271" name="Title 1"/>
           <p:cNvSpPr>
             <a:spLocks noChangeArrowheads="1" noGrp="1"/>
           </p:cNvSpPr>
@@ -4948,7 +4957,7 @@
       </p:sp>
       <p:sp>
         <p:nvSpPr>
-          <p:cNvPr id="3" name="Content Placeholder 2"/>
+          <p:cNvPr id="1871877928" name="Content Placeholder 2"/>
           <p:cNvSpPr>
             <a:spLocks noChangeArrowheads="1" noGrp="1"/>
           </p:cNvSpPr>
@@ -5047,7 +5056,7 @@
       </p:sp>
       <p:sp>
         <p:nvSpPr>
-          <p:cNvPr id="4" name="Text Placeholder 3"/>
+          <p:cNvPr id="2011709429" name="Text Placeholder 3"/>
           <p:cNvSpPr>
             <a:spLocks noChangeArrowheads="1" noGrp="1"/>
           </p:cNvSpPr>
@@ -5115,7 +5124,7 @@
       </p:sp>
       <p:sp>
         <p:nvSpPr>
-          <p:cNvPr id="5" name="Date Placeholder 4"/>
+          <p:cNvPr id="2139533829" name="Date Placeholder 4"/>
           <p:cNvSpPr>
             <a:spLocks noChangeArrowheads="1" noGrp="1"/>
           </p:cNvSpPr>
@@ -5141,7 +5150,7 @@
       </p:sp>
       <p:sp>
         <p:nvSpPr>
-          <p:cNvPr id="6" name="Footer Placeholder 5"/>
+          <p:cNvPr id="316773148" name="Footer Placeholder 5"/>
           <p:cNvSpPr>
             <a:spLocks noChangeArrowheads="1" noGrp="1"/>
           </p:cNvSpPr>
@@ -5163,7 +5172,7 @@
       </p:sp>
       <p:sp>
         <p:nvSpPr>
-          <p:cNvPr id="7" name="Slide Number Placeholder 6"/>
+          <p:cNvPr id="665372235" name="Slide Number Placeholder 6"/>
           <p:cNvSpPr>
             <a:spLocks noChangeArrowheads="1" noGrp="1"/>
           </p:cNvSpPr>
@@ -5215,7 +5224,7 @@
       </p:grpSpPr>
       <p:sp>
         <p:nvSpPr>
-          <p:cNvPr id="2" name="Title 1"/>
+          <p:cNvPr id="1427065253" name="Title 1"/>
           <p:cNvSpPr>
             <a:spLocks noChangeArrowheads="1" noGrp="1"/>
           </p:cNvSpPr>
@@ -5276,7 +5285,7 @@
       </p:sp>
       <p:sp>
         <p:nvSpPr>
-          <p:cNvPr id="3" name="Picture Placeholder 2"/>
+          <p:cNvPr id="1701620021" name="Picture Placeholder 2"/>
           <p:cNvSpPr>
             <a:spLocks noChangeArrowheads="1" noGrp="1"/>
           </p:cNvSpPr>
@@ -5344,7 +5353,7 @@
       </p:sp>
       <p:sp>
         <p:nvSpPr>
-          <p:cNvPr id="4" name="Text Placeholder 3"/>
+          <p:cNvPr id="1945638705" name="Text Placeholder 3"/>
           <p:cNvSpPr>
             <a:spLocks noChangeArrowheads="1" noGrp="1"/>
           </p:cNvSpPr>
@@ -5412,7 +5421,7 @@
       </p:sp>
       <p:sp>
         <p:nvSpPr>
-          <p:cNvPr id="5" name="Date Placeholder 4"/>
+          <p:cNvPr id="307471019" name="Date Placeholder 4"/>
           <p:cNvSpPr>
             <a:spLocks noChangeArrowheads="1" noGrp="1"/>
           </p:cNvSpPr>
@@ -5438,7 +5447,7 @@
       </p:sp>
       <p:sp>
         <p:nvSpPr>
-          <p:cNvPr id="6" name="Footer Placeholder 5"/>
+          <p:cNvPr id="1604647282" name="Footer Placeholder 5"/>
           <p:cNvSpPr>
             <a:spLocks noChangeArrowheads="1" noGrp="1"/>
           </p:cNvSpPr>
@@ -5460,7 +5469,7 @@
       </p:sp>
       <p:sp>
         <p:nvSpPr>
-          <p:cNvPr id="7" name="Slide Number Placeholder 6"/>
+          <p:cNvPr id="1786035568" name="Slide Number Placeholder 6"/>
           <p:cNvSpPr>
             <a:spLocks noChangeArrowheads="1" noGrp="1"/>
           </p:cNvSpPr>
@@ -5519,7 +5528,7 @@
       </p:grpSpPr>
       <p:sp>
         <p:nvSpPr>
-          <p:cNvPr id="2" name="Title Placeholder 1"/>
+          <p:cNvPr id="1334806738" name="Title Placeholder 1"/>
           <p:cNvSpPr>
             <a:spLocks noChangeArrowheads="1" noGrp="1"/>
           </p:cNvSpPr>
@@ -5555,7 +5564,7 @@
       </p:sp>
       <p:sp>
         <p:nvSpPr>
-          <p:cNvPr id="3" name="Text Placeholder 2"/>
+          <p:cNvPr id="804445097" name="Text Placeholder 2"/>
           <p:cNvSpPr>
             <a:spLocks noChangeArrowheads="1" noGrp="1"/>
           </p:cNvSpPr>
@@ -5631,7 +5640,7 @@
       </p:sp>
       <p:sp>
         <p:nvSpPr>
-          <p:cNvPr id="4" name="Date Placeholder 3"/>
+          <p:cNvPr id="1470010126" name="Date Placeholder 3"/>
           <p:cNvSpPr>
             <a:spLocks noChangeArrowheads="1" noGrp="1"/>
           </p:cNvSpPr>
@@ -5699,7 +5708,7 @@
       </p:sp>
       <p:sp>
         <p:nvSpPr>
-          <p:cNvPr id="5" name="Footer Placeholder 4"/>
+          <p:cNvPr id="1890188178" name="Footer Placeholder 4"/>
           <p:cNvSpPr>
             <a:spLocks noChangeArrowheads="1" noGrp="1"/>
           </p:cNvSpPr>
@@ -5763,7 +5772,7 @@
       </p:sp>
       <p:sp>
         <p:nvSpPr>
-          <p:cNvPr id="6" name="Slide Number Placeholder 5"/>
+          <p:cNvPr id="862422785" name="Slide Number Placeholder 5"/>
           <p:cNvSpPr>
             <a:spLocks noChangeArrowheads="1" noGrp="1"/>
           </p:cNvSpPr>
@@ -6450,7 +6459,7 @@
       </p:grpSpPr>
       <p:sp>
         <p:nvSpPr>
-          <p:cNvPr id="2" name="Title 3"/>
+          <p:cNvPr id="44964200" name="Title 3"/>
           <p:cNvSpPr>
             <a:spLocks noChangeArrowheads="1" noGrp="1"/>
           </p:cNvSpPr>
@@ -6513,7 +6522,7 @@
       </p:sp>
       <p:sp>
         <p:nvSpPr>
-          <p:cNvPr id="3" name="Slide Number Placeholder 17"/>
+          <p:cNvPr id="1294651613" name="Slide Number Placeholder 17"/>
           <p:cNvSpPr>
             <a:spLocks noChangeArrowheads="1" noGrp="1"/>
           </p:cNvSpPr>
@@ -6574,7 +6583,7 @@
       </p:sp>
       <p:sp>
         <p:nvSpPr>
-          <p:cNvPr id="4" name="TextBox 36"/>
+          <p:cNvPr id="1534029968" name="TextBox 36"/>
           <p:cNvSpPr/>
           <p:nvPr/>
         </p:nvSpPr>
@@ -6633,7 +6642,7 @@
       </p:sp>
       <p:pic>
         <p:nvPicPr>
-          <p:cNvPr id="5" name="Picture 21" descr="A picture containing text, clipart&#10;&#10;Description automatically generated"/>
+          <p:cNvPr id="1028241285" name="Picture 21" descr="A picture containing text, clipart&#10;&#10;Description automatically generated"/>
           <p:cNvPicPr>
             <a:picLocks noChangeAspect="1"/>
           </p:cNvPicPr>
@@ -6704,7 +6713,7 @@
       </p:grpSpPr>
       <p:sp>
         <p:nvSpPr>
-          <p:cNvPr id="2" name="Title 3"/>
+          <p:cNvPr id="1262642547" name="Title 3"/>
           <p:cNvSpPr>
             <a:spLocks noChangeArrowheads="1" noGrp="1"/>
           </p:cNvSpPr>
@@ -6759,7 +6768,7 @@
       </p:sp>
       <p:sp>
         <p:nvSpPr>
-          <p:cNvPr id="3" name="Slide Number Placeholder 17"/>
+          <p:cNvPr id="169039981" name="Slide Number Placeholder 17"/>
           <p:cNvSpPr>
             <a:spLocks noChangeArrowheads="1" noGrp="1"/>
           </p:cNvSpPr>
@@ -6804,7 +6813,7 @@
       </p:sp>
       <p:pic>
         <p:nvPicPr>
-          <p:cNvPr id="4" name="Picture 8" descr="A picture containing text, clipart&#10;&#10;Description automatically generated"/>
+          <p:cNvPr id="752167007" name="Picture 8" descr="A picture containing text, clipart&#10;&#10;Description automatically generated"/>
           <p:cNvPicPr>
             <a:picLocks noChangeAspect="1"/>
           </p:cNvPicPr>
@@ -6831,7 +6840,7 @@
       </p:pic>
       <p:sp>
         <p:nvSpPr>
-          <p:cNvPr id="5" name="TextBox 1"/>
+          <p:cNvPr id="2063339620" name="TextBox 1"/>
           <p:cNvSpPr/>
           <p:nvPr/>
         </p:nvSpPr>
@@ -6880,7 +6889,7 @@
       </p:sp>
       <p:sp>
         <p:nvSpPr>
-          <p:cNvPr id="6" name="Slide Number Placeholder 17"/>
+          <p:cNvPr id="1682005744" name="Slide Number Placeholder 17"/>
           <p:cNvSpPr/>
           <p:nvPr/>
         </p:nvSpPr>
@@ -7020,7 +7029,7 @@
       </p:sp>
       <p:grpSp>
         <p:nvGrpSpPr>
-          <p:cNvPr id="7" name="Group 22"/>
+          <p:cNvPr id="1738856" name="Group 22"/>
           <p:cNvGrpSpPr/>
           <p:nvPr/>
         </p:nvGrpSpPr>
@@ -7241,7 +7250,7 @@
       </p:grpSp>
       <p:sp>
         <p:nvSpPr>
-          <p:cNvPr id="13" name="TextBox 2"/>
+          <p:cNvPr id="1215640207" name="TextBox 2"/>
           <p:cNvSpPr/>
           <p:nvPr/>
         </p:nvSpPr>
@@ -7656,7 +7665,7 @@
       </p:sp>
       <p:sp>
         <p:nvSpPr>
-          <p:cNvPr id="14" name="TextBox 23"/>
+          <p:cNvPr id="1291891277" name="TextBox 23"/>
           <p:cNvSpPr/>
           <p:nvPr/>
         </p:nvSpPr>
@@ -7748,7 +7757,7 @@
       </p:grpSpPr>
       <p:sp>
         <p:nvSpPr>
-          <p:cNvPr id="1841918900" name="Title 1"/>
+          <p:cNvPr id="2078255665" name="Title 1"/>
           <p:cNvSpPr>
             <a:spLocks noChangeArrowheads="1" noGrp="1"/>
           </p:cNvSpPr>
@@ -7774,7 +7783,7 @@
       </p:sp>
       <p:sp>
         <p:nvSpPr>
-          <p:cNvPr id="983124619" name="Date Placeholder 3"/>
+          <p:cNvPr id="1077103837" name="Date Placeholder 3"/>
           <p:cNvSpPr>
             <a:spLocks noChangeArrowheads="1" noGrp="1"/>
           </p:cNvSpPr>
@@ -7800,7 +7809,7 @@
       </p:sp>
       <p:sp>
         <p:nvSpPr>
-          <p:cNvPr id="762229925" name="Slide Number Placeholder 5"/>
+          <p:cNvPr id="702323480" name="Slide Number Placeholder 5"/>
           <p:cNvSpPr>
             <a:spLocks noChangeArrowheads="1" noGrp="1"/>
           </p:cNvSpPr>
@@ -7826,7 +7835,7 @@
       </p:sp>
       <p:sp>
         <p:nvSpPr>
-          <p:cNvPr id="673316337" name=""/>
+          <p:cNvPr id="1791551218" name=""/>
           <p:cNvSpPr txBox="1"/>
           <p:nvPr/>
         </p:nvSpPr>
@@ -7891,7 +7900,7 @@
       </p:grpSpPr>
       <p:sp>
         <p:nvSpPr>
-          <p:cNvPr id="2" name="Title 3"/>
+          <p:cNvPr id="1013263226" name="Title 3"/>
           <p:cNvSpPr>
             <a:spLocks noChangeArrowheads="1" noGrp="1"/>
           </p:cNvSpPr>
@@ -7946,7 +7955,7 @@
       </p:sp>
       <p:sp>
         <p:nvSpPr>
-          <p:cNvPr id="3" name="Slide Number Placeholder 17"/>
+          <p:cNvPr id="1253099214" name="Slide Number Placeholder 17"/>
           <p:cNvSpPr>
             <a:spLocks noChangeArrowheads="1" noGrp="1"/>
           </p:cNvSpPr>
@@ -7991,7 +8000,7 @@
       </p:sp>
       <p:pic>
         <p:nvPicPr>
-          <p:cNvPr id="4" name="Picture 8" descr="A picture containing text, clipart&#10;&#10;Description automatically generated"/>
+          <p:cNvPr id="66163228" name="Picture 8" descr="A picture containing text, clipart&#10;&#10;Description automatically generated"/>
           <p:cNvPicPr>
             <a:picLocks noChangeAspect="1"/>
           </p:cNvPicPr>
@@ -8018,7 +8027,7 @@
       </p:pic>
       <p:sp>
         <p:nvSpPr>
-          <p:cNvPr id="5" name="TextBox 1"/>
+          <p:cNvPr id="149841377" name="TextBox 1"/>
           <p:cNvSpPr/>
           <p:nvPr/>
         </p:nvSpPr>
@@ -8067,7 +8076,7 @@
       </p:sp>
       <p:sp>
         <p:nvSpPr>
-          <p:cNvPr id="6" name="TextBox 2"/>
+          <p:cNvPr id="1548598839" name="TextBox 2"/>
           <p:cNvSpPr/>
           <p:nvPr/>
         </p:nvSpPr>
@@ -8119,7 +8128,7 @@
       </p:sp>
       <p:sp>
         <p:nvSpPr>
-          <p:cNvPr id="7" name="Slide Number Placeholder 17"/>
+          <p:cNvPr id="1975867253" name="Slide Number Placeholder 17"/>
           <p:cNvSpPr/>
           <p:nvPr/>
         </p:nvSpPr>
@@ -8259,7 +8268,7 @@
       </p:sp>
       <p:sp>
         <p:nvSpPr>
-          <p:cNvPr id="8" name="TextBox 4"/>
+          <p:cNvPr id="1307605017" name="TextBox 4"/>
           <p:cNvSpPr/>
           <p:nvPr/>
         </p:nvSpPr>
@@ -8440,7 +8449,7 @@
       </p:grpSpPr>
       <p:sp>
         <p:nvSpPr>
-          <p:cNvPr id="2" name="Title 3"/>
+          <p:cNvPr id="1619610980" name="Title 3"/>
           <p:cNvSpPr>
             <a:spLocks noChangeArrowheads="1" noGrp="1"/>
           </p:cNvSpPr>
@@ -8495,7 +8504,7 @@
       </p:sp>
       <p:sp>
         <p:nvSpPr>
-          <p:cNvPr id="3" name="Slide Number Placeholder 17"/>
+          <p:cNvPr id="1080076615" name="Slide Number Placeholder 17"/>
           <p:cNvSpPr>
             <a:spLocks noChangeArrowheads="1" noGrp="1"/>
           </p:cNvSpPr>
@@ -8540,7 +8549,7 @@
       </p:sp>
       <p:pic>
         <p:nvPicPr>
-          <p:cNvPr id="4" name="Picture 8" descr="A picture containing text, clipart&#10;&#10;Description automatically generated"/>
+          <p:cNvPr id="1891987375" name="Picture 8" descr="A picture containing text, clipart&#10;&#10;Description automatically generated"/>
           <p:cNvPicPr>
             <a:picLocks noChangeAspect="1"/>
           </p:cNvPicPr>
@@ -8567,7 +8576,7 @@
       </p:pic>
       <p:sp>
         <p:nvSpPr>
-          <p:cNvPr id="5" name="TextBox 1"/>
+          <p:cNvPr id="1456612760" name="TextBox 1"/>
           <p:cNvSpPr/>
           <p:nvPr/>
         </p:nvSpPr>
@@ -8616,7 +8625,7 @@
       </p:sp>
       <p:sp>
         <p:nvSpPr>
-          <p:cNvPr id="6" name="TextBox 2"/>
+          <p:cNvPr id="149613103" name="TextBox 2"/>
           <p:cNvSpPr/>
           <p:nvPr/>
         </p:nvSpPr>
@@ -8668,7 +8677,7 @@
       </p:sp>
       <p:sp>
         <p:nvSpPr>
-          <p:cNvPr id="7" name="Slide Number Placeholder 17"/>
+          <p:cNvPr id="2122011106" name="Slide Number Placeholder 17"/>
           <p:cNvSpPr/>
           <p:nvPr/>
         </p:nvSpPr>
@@ -8808,7 +8817,7 @@
       </p:sp>
       <p:sp>
         <p:nvSpPr>
-          <p:cNvPr id="8" name="TextBox 4"/>
+          <p:cNvPr id="1028832294" name="TextBox 4"/>
           <p:cNvSpPr/>
           <p:nvPr/>
         </p:nvSpPr>
@@ -10148,7 +10157,7 @@
       </p:grpSpPr>
       <p:sp>
         <p:nvSpPr>
-          <p:cNvPr id="2" name="Title 3"/>
+          <p:cNvPr id="1203633331" name="Title 3"/>
           <p:cNvSpPr>
             <a:spLocks noChangeArrowheads="1" noGrp="1"/>
           </p:cNvSpPr>
@@ -10203,7 +10212,7 @@
       </p:sp>
       <p:sp>
         <p:nvSpPr>
-          <p:cNvPr id="3" name="Slide Number Placeholder 17"/>
+          <p:cNvPr id="85064031" name="Slide Number Placeholder 17"/>
           <p:cNvSpPr>
             <a:spLocks noChangeArrowheads="1" noGrp="1"/>
           </p:cNvSpPr>
@@ -10248,7 +10257,7 @@
       </p:sp>
       <p:pic>
         <p:nvPicPr>
-          <p:cNvPr id="4" name="Picture 8" descr="A picture containing text, clipart&#10;&#10;Description automatically generated"/>
+          <p:cNvPr id="980642276" name="Picture 8" descr="A picture containing text, clipart&#10;&#10;Description automatically generated"/>
           <p:cNvPicPr>
             <a:picLocks noChangeAspect="1"/>
           </p:cNvPicPr>
@@ -10275,7 +10284,7 @@
       </p:pic>
       <p:sp>
         <p:nvSpPr>
-          <p:cNvPr id="5" name="TextBox 1"/>
+          <p:cNvPr id="1092320488" name="TextBox 1"/>
           <p:cNvSpPr/>
           <p:nvPr/>
         </p:nvSpPr>
@@ -10324,7 +10333,7 @@
       </p:sp>
       <p:sp>
         <p:nvSpPr>
-          <p:cNvPr id="6" name="TextBox 2"/>
+          <p:cNvPr id="2030169561" name="TextBox 2"/>
           <p:cNvSpPr/>
           <p:nvPr/>
         </p:nvSpPr>
@@ -10376,7 +10385,7 @@
       </p:sp>
       <p:sp>
         <p:nvSpPr>
-          <p:cNvPr id="7" name="Slide Number Placeholder 17"/>
+          <p:cNvPr id="1557822335" name="Slide Number Placeholder 17"/>
           <p:cNvSpPr/>
           <p:nvPr/>
         </p:nvSpPr>
@@ -10516,7 +10525,7 @@
       </p:sp>
       <p:sp>
         <p:nvSpPr>
-          <p:cNvPr id="8" name="TextBox 4"/>
+          <p:cNvPr id="1060258656" name="TextBox 4"/>
           <p:cNvSpPr/>
           <p:nvPr/>
         </p:nvSpPr>
@@ -11661,7 +11670,7 @@
       </p:grpSpPr>
       <p:sp>
         <p:nvSpPr>
-          <p:cNvPr id="2" name="Title 3"/>
+          <p:cNvPr id="1315889631" name="Title 3"/>
           <p:cNvSpPr>
             <a:spLocks noChangeArrowheads="1" noGrp="1"/>
           </p:cNvSpPr>
@@ -11716,7 +11725,7 @@
       </p:sp>
       <p:sp>
         <p:nvSpPr>
-          <p:cNvPr id="3" name="Slide Number Placeholder 17"/>
+          <p:cNvPr id="1179350121" name="Slide Number Placeholder 17"/>
           <p:cNvSpPr>
             <a:spLocks noChangeArrowheads="1" noGrp="1"/>
           </p:cNvSpPr>
@@ -11761,7 +11770,7 @@
       </p:sp>
       <p:pic>
         <p:nvPicPr>
-          <p:cNvPr id="4" name="Picture 8" descr="A picture containing text, clipart&#10;&#10;Description automatically generated"/>
+          <p:cNvPr id="1969510371" name="Picture 8" descr="A picture containing text, clipart&#10;&#10;Description automatically generated"/>
           <p:cNvPicPr>
             <a:picLocks noChangeAspect="1"/>
           </p:cNvPicPr>
@@ -11788,7 +11797,7 @@
       </p:pic>
       <p:sp>
         <p:nvSpPr>
-          <p:cNvPr id="5" name="TextBox 1"/>
+          <p:cNvPr id="980537433" name="TextBox 1"/>
           <p:cNvSpPr/>
           <p:nvPr/>
         </p:nvSpPr>
@@ -11837,7 +11846,7 @@
       </p:sp>
       <p:sp>
         <p:nvSpPr>
-          <p:cNvPr id="6" name="TextBox 2"/>
+          <p:cNvPr id="1838782780" name="TextBox 2"/>
           <p:cNvSpPr/>
           <p:nvPr/>
         </p:nvSpPr>
@@ -11889,7 +11898,7 @@
       </p:sp>
       <p:sp>
         <p:nvSpPr>
-          <p:cNvPr id="7" name="Slide Number Placeholder 17"/>
+          <p:cNvPr id="1929727483" name="Slide Number Placeholder 17"/>
           <p:cNvSpPr/>
           <p:nvPr/>
         </p:nvSpPr>
@@ -12029,7 +12038,7 @@
       </p:sp>
       <p:sp>
         <p:nvSpPr>
-          <p:cNvPr id="8" name="TextBox 4"/>
+          <p:cNvPr id="1434079499" name="TextBox 4"/>
           <p:cNvSpPr/>
           <p:nvPr/>
         </p:nvSpPr>
@@ -12118,7 +12127,7 @@
       </p:sp>
       <p:pic>
         <p:nvPicPr>
-          <p:cNvPr id="9" name="Picture 6" descr="Diagram&#10;&#10;Description automatically generated"/>
+          <p:cNvPr id="866248129" name="Picture 6" descr="Diagram&#10;&#10;Description automatically generated"/>
           <p:cNvPicPr/>
           <p:nvPr/>
         </p:nvPicPr>
@@ -12185,7 +12194,7 @@
       </p:grpSpPr>
       <p:pic>
         <p:nvPicPr>
-          <p:cNvPr id="2" name="Picture 9" descr="Diagram, schematic&#10;&#10;Description automatically generated"/>
+          <p:cNvPr id="244834947" name="Picture 9" descr="Diagram, schematic&#10;&#10;Description automatically generated"/>
           <p:cNvPicPr>
             <a:picLocks noChangeAspect="1"/>
           </p:cNvPicPr>
@@ -12212,7 +12221,7 @@
       </p:pic>
       <p:sp>
         <p:nvSpPr>
-          <p:cNvPr id="3" name="Title 3"/>
+          <p:cNvPr id="772708734" name="Title 3"/>
           <p:cNvSpPr>
             <a:spLocks noChangeArrowheads="1" noGrp="1"/>
           </p:cNvSpPr>
@@ -12267,7 +12276,7 @@
       </p:sp>
       <p:sp>
         <p:nvSpPr>
-          <p:cNvPr id="4" name="Slide Number Placeholder 17"/>
+          <p:cNvPr id="397446804" name="Slide Number Placeholder 17"/>
           <p:cNvSpPr>
             <a:spLocks noChangeArrowheads="1" noGrp="1"/>
           </p:cNvSpPr>
@@ -12312,7 +12321,7 @@
       </p:sp>
       <p:pic>
         <p:nvPicPr>
-          <p:cNvPr id="5" name="Picture 8" descr="A picture containing text, clipart&#10;&#10;Description automatically generated"/>
+          <p:cNvPr id="874851959" name="Picture 8" descr="A picture containing text, clipart&#10;&#10;Description automatically generated"/>
           <p:cNvPicPr>
             <a:picLocks noChangeAspect="1"/>
           </p:cNvPicPr>
@@ -12339,7 +12348,7 @@
       </p:pic>
       <p:sp>
         <p:nvSpPr>
-          <p:cNvPr id="6" name="TextBox 1"/>
+          <p:cNvPr id="2126552857" name="TextBox 1"/>
           <p:cNvSpPr/>
           <p:nvPr/>
         </p:nvSpPr>
@@ -12388,7 +12397,7 @@
       </p:sp>
       <p:sp>
         <p:nvSpPr>
-          <p:cNvPr id="7" name="TextBox 2"/>
+          <p:cNvPr id="159287476" name="TextBox 2"/>
           <p:cNvSpPr/>
           <p:nvPr/>
         </p:nvSpPr>
@@ -12440,7 +12449,7 @@
       </p:sp>
       <p:sp>
         <p:nvSpPr>
-          <p:cNvPr id="8" name="Slide Number Placeholder 17"/>
+          <p:cNvPr id="2128508810" name="Slide Number Placeholder 17"/>
           <p:cNvSpPr/>
           <p:nvPr/>
         </p:nvSpPr>
@@ -12580,7 +12589,7 @@
       </p:sp>
       <p:sp>
         <p:nvSpPr>
-          <p:cNvPr id="9" name="TextBox 7"/>
+          <p:cNvPr id="158496139" name="TextBox 7"/>
           <p:cNvSpPr/>
           <p:nvPr/>
         </p:nvSpPr>
@@ -12816,7 +12825,7 @@
       </p:sp>
       <p:sp>
         <p:nvSpPr>
-          <p:cNvPr id="10" name="TextBox 11"/>
+          <p:cNvPr id="1168318262" name="TextBox 11"/>
           <p:cNvSpPr/>
           <p:nvPr/>
         </p:nvSpPr>
@@ -12913,7 +12922,7 @@
       </p:grpSpPr>
       <p:sp>
         <p:nvSpPr>
-          <p:cNvPr id="1979990915" name="Title 1"/>
+          <p:cNvPr id="2012216151" name="Title 1"/>
           <p:cNvSpPr>
             <a:spLocks noChangeArrowheads="1" noGrp="1"/>
           </p:cNvSpPr>
@@ -12939,7 +12948,7 @@
       </p:sp>
       <p:sp>
         <p:nvSpPr>
-          <p:cNvPr id="498160613" name="Date Placeholder 3"/>
+          <p:cNvPr id="1928110027" name="Date Placeholder 3"/>
           <p:cNvSpPr>
             <a:spLocks noChangeArrowheads="1" noGrp="1"/>
           </p:cNvSpPr>
@@ -12965,7 +12974,7 @@
       </p:sp>
       <p:sp>
         <p:nvSpPr>
-          <p:cNvPr id="1529048683" name="Slide Number Placeholder 5"/>
+          <p:cNvPr id="238795195" name="Slide Number Placeholder 5"/>
           <p:cNvSpPr>
             <a:spLocks noChangeArrowheads="1" noGrp="1"/>
           </p:cNvSpPr>
@@ -12991,7 +13000,7 @@
       </p:sp>
       <p:sp>
         <p:nvSpPr>
-          <p:cNvPr id="2115175284" name=""/>
+          <p:cNvPr id="1628520834" name=""/>
           <p:cNvSpPr txBox="1"/>
           <p:nvPr/>
         </p:nvSpPr>
@@ -13056,7 +13065,7 @@
       </p:grpSpPr>
       <p:sp>
         <p:nvSpPr>
-          <p:cNvPr id="2" name="Title 3"/>
+          <p:cNvPr id="1878367550" name="Title 3"/>
           <p:cNvSpPr>
             <a:spLocks noChangeArrowheads="1" noGrp="1"/>
           </p:cNvSpPr>
@@ -13111,7 +13120,7 @@
       </p:sp>
       <p:sp>
         <p:nvSpPr>
-          <p:cNvPr id="3" name="Slide Number Placeholder 17"/>
+          <p:cNvPr id="2033600279" name="Slide Number Placeholder 17"/>
           <p:cNvSpPr>
             <a:spLocks noChangeArrowheads="1" noGrp="1"/>
           </p:cNvSpPr>
@@ -13156,7 +13165,7 @@
       </p:sp>
       <p:pic>
         <p:nvPicPr>
-          <p:cNvPr id="4" name="Picture 8" descr="A picture containing text, clipart&#10;&#10;Description automatically generated"/>
+          <p:cNvPr id="861382835" name="Picture 8" descr="A picture containing text, clipart&#10;&#10;Description automatically generated"/>
           <p:cNvPicPr>
             <a:picLocks noChangeAspect="1"/>
           </p:cNvPicPr>
@@ -13183,7 +13192,7 @@
       </p:pic>
       <p:sp>
         <p:nvSpPr>
-          <p:cNvPr id="5" name="Slide Number Placeholder 17"/>
+          <p:cNvPr id="844187403" name="Slide Number Placeholder 17"/>
           <p:cNvSpPr/>
           <p:nvPr/>
         </p:nvSpPr>
@@ -13323,7 +13332,7 @@
       </p:sp>
       <p:sp>
         <p:nvSpPr>
-          <p:cNvPr id="6" name="TextBox 4"/>
+          <p:cNvPr id="1799090921" name="TextBox 4"/>
           <p:cNvSpPr/>
           <p:nvPr/>
         </p:nvSpPr>
@@ -13518,7 +13527,7 @@
       </p:sp>
       <p:sp>
         <p:nvSpPr>
-          <p:cNvPr id="7" name="TextBox 6"/>
+          <p:cNvPr id="2097161717" name="TextBox 6"/>
           <p:cNvSpPr/>
           <p:nvPr/>
         </p:nvSpPr>
@@ -13610,7 +13619,7 @@
       </p:grpSpPr>
       <p:sp>
         <p:nvSpPr>
-          <p:cNvPr id="2" name="Title 3"/>
+          <p:cNvPr id="374241827" name="Title 3"/>
           <p:cNvSpPr>
             <a:spLocks noChangeArrowheads="1" noGrp="1"/>
           </p:cNvSpPr>
@@ -13665,7 +13674,7 @@
       </p:sp>
       <p:sp>
         <p:nvSpPr>
-          <p:cNvPr id="3" name="Slide Number Placeholder 17"/>
+          <p:cNvPr id="1737062089" name="Slide Number Placeholder 17"/>
           <p:cNvSpPr>
             <a:spLocks noChangeArrowheads="1" noGrp="1"/>
           </p:cNvSpPr>
@@ -13710,7 +13719,7 @@
       </p:sp>
       <p:pic>
         <p:nvPicPr>
-          <p:cNvPr id="4" name="Picture 2" descr="A picture containing text, clipart&#10;&#10;Description automatically generated"/>
+          <p:cNvPr id="809202180" name="Picture 2" descr="A picture containing text, clipart&#10;&#10;Description automatically generated"/>
           <p:cNvPicPr>
             <a:picLocks noChangeAspect="1"/>
           </p:cNvPicPr>
@@ -13737,7 +13746,7 @@
       </p:pic>
       <p:sp>
         <p:nvSpPr>
-          <p:cNvPr id="5" name="Slide Number Placeholder 17"/>
+          <p:cNvPr id="901680298" name="Slide Number Placeholder 17"/>
           <p:cNvSpPr/>
           <p:nvPr/>
         </p:nvSpPr>
@@ -13917,7 +13926,7 @@
       </p:grpSpPr>
       <p:sp>
         <p:nvSpPr>
-          <p:cNvPr id="2" name="Title 3"/>
+          <p:cNvPr id="1297895860" name="Title 3"/>
           <p:cNvSpPr>
             <a:spLocks noChangeArrowheads="1" noGrp="1"/>
           </p:cNvSpPr>
@@ -13972,7 +13981,7 @@
       </p:sp>
       <p:sp>
         <p:nvSpPr>
-          <p:cNvPr id="3" name="Slide Number Placeholder 17"/>
+          <p:cNvPr id="1068020526" name="Slide Number Placeholder 17"/>
           <p:cNvSpPr>
             <a:spLocks noChangeArrowheads="1" noGrp="1"/>
           </p:cNvSpPr>
@@ -14017,7 +14026,7 @@
       </p:sp>
       <p:pic>
         <p:nvPicPr>
-          <p:cNvPr id="4" name="Picture 8" descr="A picture containing text, clipart&#10;&#10;Description automatically generated"/>
+          <p:cNvPr id="587849988" name="Picture 8" descr="A picture containing text, clipart&#10;&#10;Description automatically generated"/>
           <p:cNvPicPr>
             <a:picLocks noChangeAspect="1"/>
           </p:cNvPicPr>
@@ -14044,7 +14053,7 @@
       </p:pic>
       <p:sp>
         <p:nvSpPr>
-          <p:cNvPr id="5" name="TextBox 1"/>
+          <p:cNvPr id="2079497384" name="TextBox 1"/>
           <p:cNvSpPr/>
           <p:nvPr/>
         </p:nvSpPr>
@@ -14156,7 +14165,15 @@
                 <a:ea typeface="Calibri"/>
                 <a:cs typeface="Calibri"/>
               </a:rPr>
-              <a:t>Analysis of heat exchangers</a:t>
+              <a:t>Analysis of heat </a:t>
+            </a:r>
+            <a:r>
+              <a:rPr lang="en-GB" cap="none">
+                <a:latin typeface="Helvetica"/>
+                <a:ea typeface="Calibri"/>
+                <a:cs typeface="Calibri"/>
+              </a:rPr>
+              <a:t>exchangers</a:t>
             </a:r>
             <a:endParaRPr cap="none">
               <a:latin typeface="Helvetica"/>
@@ -14224,7 +14241,7 @@
       </p:sp>
       <p:sp>
         <p:nvSpPr>
-          <p:cNvPr id="6" name="TextBox 2"/>
+          <p:cNvPr id="1019101586" name="TextBox 2"/>
           <p:cNvSpPr/>
           <p:nvPr/>
         </p:nvSpPr>
@@ -14276,7 +14293,7 @@
       </p:sp>
       <p:sp>
         <p:nvSpPr>
-          <p:cNvPr id="7" name="Slide Number Placeholder 17"/>
+          <p:cNvPr id="1459737327" name="Slide Number Placeholder 17"/>
           <p:cNvSpPr/>
           <p:nvPr/>
         </p:nvSpPr>
@@ -14456,7 +14473,7 @@
       </p:grpSpPr>
       <p:sp>
         <p:nvSpPr>
-          <p:cNvPr id="2" name="Title 3"/>
+          <p:cNvPr id="189161298" name="Title 3"/>
           <p:cNvSpPr>
             <a:spLocks noChangeArrowheads="1" noGrp="1"/>
           </p:cNvSpPr>
@@ -14511,7 +14528,7 @@
       </p:sp>
       <p:sp>
         <p:nvSpPr>
-          <p:cNvPr id="3" name="Slide Number Placeholder 17"/>
+          <p:cNvPr id="430654467" name="Slide Number Placeholder 17"/>
           <p:cNvSpPr>
             <a:spLocks noChangeArrowheads="1" noGrp="1"/>
           </p:cNvSpPr>
@@ -14556,7 +14573,7 @@
       </p:sp>
       <p:pic>
         <p:nvPicPr>
-          <p:cNvPr id="4" name="Picture 8" descr="A picture containing text, clipart&#10;&#10;Description automatically generated"/>
+          <p:cNvPr id="2106870798" name="Picture 8" descr="A picture containing text, clipart&#10;&#10;Description automatically generated"/>
           <p:cNvPicPr>
             <a:picLocks noChangeAspect="1"/>
           </p:cNvPicPr>
@@ -14583,7 +14600,7 @@
       </p:pic>
       <p:sp>
         <p:nvSpPr>
-          <p:cNvPr id="5" name="TextBox 1"/>
+          <p:cNvPr id="1785734593" name="TextBox 1"/>
           <p:cNvSpPr/>
           <p:nvPr/>
         </p:nvSpPr>
@@ -14632,7 +14649,7 @@
       </p:sp>
       <p:sp>
         <p:nvSpPr>
-          <p:cNvPr id="6" name="TextBox 2"/>
+          <p:cNvPr id="1427909712" name="TextBox 2"/>
           <p:cNvSpPr/>
           <p:nvPr/>
         </p:nvSpPr>
@@ -14684,7 +14701,7 @@
       </p:sp>
       <p:sp>
         <p:nvSpPr>
-          <p:cNvPr id="7" name="Slide Number Placeholder 17"/>
+          <p:cNvPr id="200493319" name="Slide Number Placeholder 17"/>
           <p:cNvSpPr/>
           <p:nvPr/>
         </p:nvSpPr>
@@ -14824,7 +14841,7 @@
       </p:sp>
       <p:sp>
         <p:nvSpPr>
-          <p:cNvPr id="8" name="TextBox 4"/>
+          <p:cNvPr id="2009180451" name="TextBox 4"/>
           <p:cNvSpPr/>
           <p:nvPr/>
         </p:nvSpPr>
@@ -15174,7 +15191,7 @@
       </p:grpSpPr>
       <p:sp>
         <p:nvSpPr>
-          <p:cNvPr id="2" name="Title 3"/>
+          <p:cNvPr id="817185723" name="Title 3"/>
           <p:cNvSpPr>
             <a:spLocks noChangeArrowheads="1" noGrp="1"/>
           </p:cNvSpPr>
@@ -15229,7 +15246,7 @@
       </p:sp>
       <p:sp>
         <p:nvSpPr>
-          <p:cNvPr id="3" name="Slide Number Placeholder 17"/>
+          <p:cNvPr id="157913336" name="Slide Number Placeholder 17"/>
           <p:cNvSpPr>
             <a:spLocks noChangeArrowheads="1" noGrp="1"/>
           </p:cNvSpPr>
@@ -15274,7 +15291,7 @@
       </p:sp>
       <p:pic>
         <p:nvPicPr>
-          <p:cNvPr id="4" name="Picture 8" descr="A picture containing text, clipart&#10;&#10;Description automatically generated"/>
+          <p:cNvPr id="631528035" name="Picture 8" descr="A picture containing text, clipart&#10;&#10;Description automatically generated"/>
           <p:cNvPicPr>
             <a:picLocks noChangeAspect="1"/>
           </p:cNvPicPr>
@@ -15301,7 +15318,7 @@
       </p:pic>
       <p:sp>
         <p:nvSpPr>
-          <p:cNvPr id="5" name="TextBox 2"/>
+          <p:cNvPr id="653109784" name="TextBox 2"/>
           <p:cNvSpPr/>
           <p:nvPr/>
         </p:nvSpPr>
@@ -15353,7 +15370,7 @@
       </p:sp>
       <p:sp>
         <p:nvSpPr>
-          <p:cNvPr id="6" name="Slide Number Placeholder 17"/>
+          <p:cNvPr id="816442837" name="Slide Number Placeholder 17"/>
           <p:cNvSpPr/>
           <p:nvPr/>
         </p:nvSpPr>
@@ -15493,7 +15510,7 @@
       </p:sp>
       <p:grpSp>
         <p:nvGrpSpPr>
-          <p:cNvPr id="7" name="Group 6"/>
+          <p:cNvPr id="15027475" name="Group 6"/>
           <p:cNvGrpSpPr/>
           <p:nvPr/>
         </p:nvGrpSpPr>
@@ -15613,7 +15630,7 @@
       </p:grpSp>
       <p:sp>
         <p:nvSpPr>
-          <p:cNvPr id="11" name="TextBox 11"/>
+          <p:cNvPr id="1096843241" name="TextBox 11"/>
           <p:cNvSpPr/>
           <p:nvPr/>
         </p:nvSpPr>
@@ -16077,10 +16094,8 @@
       </p:sp>
       <p:cxnSp>
         <p:nvCxnSpPr>
-          <p:cNvPr id="12" name="Straight Arrow Connector 12"/>
-          <p:cNvCxnSpPr>
-            <a:cxnSpLocks/>
-          </p:cNvCxnSpPr>
+          <p:cNvPr id="1460136131" name="Straight Arrow Connector 12"/>
+          <p:cNvCxnSpPr/>
           <p:nvPr/>
         </p:nvCxnSpPr>
         <p:spPr bwMode="auto">
@@ -16105,10 +16120,8 @@
       </p:cxnSp>
       <p:cxnSp>
         <p:nvCxnSpPr>
-          <p:cNvPr id="13" name="Straight Arrow Connector 15"/>
-          <p:cNvCxnSpPr>
-            <a:cxnSpLocks/>
-          </p:cNvCxnSpPr>
+          <p:cNvPr id="1626832287" name="Straight Arrow Connector 15"/>
+          <p:cNvCxnSpPr/>
           <p:nvPr/>
         </p:nvCxnSpPr>
         <p:spPr bwMode="auto">
@@ -16173,7 +16186,7 @@
       </p:grpSpPr>
       <p:sp>
         <p:nvSpPr>
-          <p:cNvPr id="1969501873" name="Date Placeholder 3"/>
+          <p:cNvPr id="1855182842" name="Date Placeholder 3"/>
           <p:cNvSpPr>
             <a:spLocks noChangeArrowheads="1" noGrp="1"/>
           </p:cNvSpPr>
@@ -16199,7 +16212,7 @@
       </p:sp>
       <p:sp>
         <p:nvSpPr>
-          <p:cNvPr id="1916644873" name="Slide Number Placeholder 5"/>
+          <p:cNvPr id="1976844239" name="Slide Number Placeholder 5"/>
           <p:cNvSpPr>
             <a:spLocks noChangeArrowheads="1" noGrp="1"/>
           </p:cNvSpPr>
@@ -16225,7 +16238,7 @@
       </p:sp>
       <p:pic>
         <p:nvPicPr>
-          <p:cNvPr id="795617424" name=""/>
+          <p:cNvPr id="546973089" name=""/>
           <p:cNvPicPr>
             <a:picLocks noChangeAspect="1"/>
           </p:cNvPicPr>
@@ -16247,7 +16260,7 @@
       </p:pic>
       <p:pic>
         <p:nvPicPr>
-          <p:cNvPr id="947192997" name=""/>
+          <p:cNvPr id="2055218863" name=""/>
           <p:cNvPicPr>
             <a:picLocks noChangeAspect="1"/>
           </p:cNvPicPr>
@@ -16269,7 +16282,7 @@
       </p:pic>
       <p:sp>
         <p:nvSpPr>
-          <p:cNvPr id="1320628147" name=""/>
+          <p:cNvPr id="726245361" name=""/>
           <p:cNvSpPr txBox="1"/>
           <p:nvPr/>
         </p:nvSpPr>
@@ -16334,7 +16347,7 @@
       </p:grpSpPr>
       <p:sp>
         <p:nvSpPr>
-          <p:cNvPr id="2" name="Title 3"/>
+          <p:cNvPr id="704906440" name="Title 3"/>
           <p:cNvSpPr>
             <a:spLocks noChangeArrowheads="1" noGrp="1"/>
           </p:cNvSpPr>
@@ -16389,7 +16402,7 @@
       </p:sp>
       <p:sp>
         <p:nvSpPr>
-          <p:cNvPr id="3" name="Slide Number Placeholder 17"/>
+          <p:cNvPr id="736725264" name="Slide Number Placeholder 17"/>
           <p:cNvSpPr>
             <a:spLocks noChangeArrowheads="1" noGrp="1"/>
           </p:cNvSpPr>
@@ -16434,7 +16447,7 @@
       </p:sp>
       <p:pic>
         <p:nvPicPr>
-          <p:cNvPr id="4" name="Picture 8" descr="A picture containing text, clipart&#10;&#10;Description automatically generated"/>
+          <p:cNvPr id="1072848754" name="Picture 8" descr="A picture containing text, clipart&#10;&#10;Description automatically generated"/>
           <p:cNvPicPr>
             <a:picLocks noChangeAspect="1"/>
           </p:cNvPicPr>
@@ -16461,7 +16474,7 @@
       </p:pic>
       <p:sp>
         <p:nvSpPr>
-          <p:cNvPr id="5" name="TextBox 2"/>
+          <p:cNvPr id="231460961" name="TextBox 2"/>
           <p:cNvSpPr/>
           <p:nvPr/>
         </p:nvSpPr>
@@ -16513,7 +16526,7 @@
       </p:sp>
       <p:sp>
         <p:nvSpPr>
-          <p:cNvPr id="6" name="Slide Number Placeholder 17"/>
+          <p:cNvPr id="1511912323" name="Slide Number Placeholder 17"/>
           <p:cNvSpPr/>
           <p:nvPr/>
         </p:nvSpPr>
@@ -16653,7 +16666,7 @@
       </p:sp>
       <p:sp>
         <p:nvSpPr>
-          <p:cNvPr id="7" name="TextBox 4"/>
+          <p:cNvPr id="126982884" name="TextBox 4"/>
           <p:cNvSpPr/>
           <p:nvPr/>
         </p:nvSpPr>
@@ -18335,7 +18348,7 @@
       </p:sp>
       <p:sp>
         <p:nvSpPr>
-          <p:cNvPr id="8" name="TextBox 7"/>
+          <p:cNvPr id="1899007618" name="TextBox 7"/>
           <p:cNvSpPr/>
           <p:nvPr/>
         </p:nvSpPr>
@@ -18741,7 +18754,7 @@
       </p:sp>
       <p:sp>
         <p:nvSpPr>
-          <p:cNvPr id="9" name="TextBox 9"/>
+          <p:cNvPr id="685401963" name="TextBox 9"/>
           <p:cNvSpPr/>
           <p:nvPr/>
         </p:nvSpPr>
@@ -19147,7 +19160,7 @@
       </p:sp>
       <p:sp>
         <p:nvSpPr>
-          <p:cNvPr id="10" name="TextBox 11"/>
+          <p:cNvPr id="99298988" name="TextBox 11"/>
           <p:cNvSpPr/>
           <p:nvPr/>
         </p:nvSpPr>
@@ -19186,7 +19199,7 @@
       </p:sp>
       <p:sp>
         <p:nvSpPr>
-          <p:cNvPr id="11" name="TextBox 12"/>
+          <p:cNvPr id="2044332962" name="TextBox 12"/>
           <p:cNvSpPr/>
           <p:nvPr/>
         </p:nvSpPr>
@@ -19225,10 +19238,8 @@
       </p:sp>
       <p:cxnSp>
         <p:nvCxnSpPr>
-          <p:cNvPr id="12" name="Straight Arrow Connector 14"/>
-          <p:cNvCxnSpPr>
-            <a:cxnSpLocks/>
-          </p:cNvCxnSpPr>
+          <p:cNvPr id="1942567019" name="Straight Arrow Connector 14"/>
+          <p:cNvCxnSpPr/>
           <p:nvPr/>
         </p:nvCxnSpPr>
         <p:spPr bwMode="auto">
@@ -19253,10 +19264,9 @@
       </p:cxnSp>
       <p:cxnSp>
         <p:nvCxnSpPr>
-          <p:cNvPr id="13" name="Straight Arrow Connector 16"/>
+          <p:cNvPr id="100339846" name="Straight Arrow Connector 16"/>
           <p:cNvCxnSpPr>
-            <a:cxnSpLocks/>
-            <a:endCxn id="8" idx="3"/>
+            <a:endCxn id="1899007618" idx="3"/>
           </p:cNvCxnSpPr>
           <p:nvPr/>
         </p:nvCxnSpPr>
@@ -19322,7 +19332,7 @@
       </p:grpSpPr>
       <p:sp>
         <p:nvSpPr>
-          <p:cNvPr id="2" name="Title 3"/>
+          <p:cNvPr id="1147107023" name="Title 3"/>
           <p:cNvSpPr>
             <a:spLocks noChangeArrowheads="1" noGrp="1"/>
           </p:cNvSpPr>
@@ -19377,7 +19387,7 @@
       </p:sp>
       <p:sp>
         <p:nvSpPr>
-          <p:cNvPr id="3" name="Slide Number Placeholder 17"/>
+          <p:cNvPr id="867521972" name="Slide Number Placeholder 17"/>
           <p:cNvSpPr>
             <a:spLocks noChangeArrowheads="1" noGrp="1"/>
           </p:cNvSpPr>
@@ -19422,7 +19432,7 @@
       </p:sp>
       <p:pic>
         <p:nvPicPr>
-          <p:cNvPr id="4" name="Picture 8" descr="A picture containing text, clipart&#10;&#10;Description automatically generated"/>
+          <p:cNvPr id="625389236" name="Picture 8" descr="A picture containing text, clipart&#10;&#10;Description automatically generated"/>
           <p:cNvPicPr>
             <a:picLocks noChangeAspect="1"/>
           </p:cNvPicPr>
@@ -19449,7 +19459,7 @@
       </p:pic>
       <p:sp>
         <p:nvSpPr>
-          <p:cNvPr id="5" name="TextBox 2"/>
+          <p:cNvPr id="1859934495" name="TextBox 2"/>
           <p:cNvSpPr/>
           <p:nvPr/>
         </p:nvSpPr>
@@ -19501,7 +19511,7 @@
       </p:sp>
       <p:sp>
         <p:nvSpPr>
-          <p:cNvPr id="6" name="Slide Number Placeholder 17"/>
+          <p:cNvPr id="1821161166" name="Slide Number Placeholder 17"/>
           <p:cNvSpPr/>
           <p:nvPr/>
         </p:nvSpPr>
@@ -19641,7 +19651,7 @@
       </p:sp>
       <p:sp>
         <p:nvSpPr>
-          <p:cNvPr id="7" name="TextBox 4"/>
+          <p:cNvPr id="1397730566" name="TextBox 4"/>
           <p:cNvSpPr/>
           <p:nvPr/>
         </p:nvSpPr>
@@ -20131,7 +20141,7 @@
       </p:grpSpPr>
       <p:sp>
         <p:nvSpPr>
-          <p:cNvPr id="2" name="Title 3"/>
+          <p:cNvPr id="676913299" name="Title 3"/>
           <p:cNvSpPr>
             <a:spLocks noChangeArrowheads="1" noGrp="1"/>
           </p:cNvSpPr>
@@ -20186,7 +20196,7 @@
       </p:sp>
       <p:sp>
         <p:nvSpPr>
-          <p:cNvPr id="3" name="Slide Number Placeholder 17"/>
+          <p:cNvPr id="1331023411" name="Slide Number Placeholder 17"/>
           <p:cNvSpPr>
             <a:spLocks noChangeArrowheads="1" noGrp="1"/>
           </p:cNvSpPr>
@@ -20231,7 +20241,7 @@
       </p:sp>
       <p:pic>
         <p:nvPicPr>
-          <p:cNvPr id="4" name="Picture 8" descr="A picture containing text, clipart&#10;&#10;Description automatically generated"/>
+          <p:cNvPr id="186974542" name="Picture 8" descr="A picture containing text, clipart&#10;&#10;Description automatically generated"/>
           <p:cNvPicPr>
             <a:picLocks noChangeAspect="1"/>
           </p:cNvPicPr>
@@ -20258,7 +20268,7 @@
       </p:pic>
       <p:sp>
         <p:nvSpPr>
-          <p:cNvPr id="5" name="TextBox 2"/>
+          <p:cNvPr id="643873691" name="TextBox 2"/>
           <p:cNvSpPr/>
           <p:nvPr/>
         </p:nvSpPr>
@@ -20310,7 +20320,7 @@
       </p:sp>
       <p:sp>
         <p:nvSpPr>
-          <p:cNvPr id="6" name="Slide Number Placeholder 17"/>
+          <p:cNvPr id="1718283529" name="Slide Number Placeholder 17"/>
           <p:cNvSpPr/>
           <p:nvPr/>
         </p:nvSpPr>
@@ -20450,7 +20460,7 @@
       </p:sp>
       <p:sp>
         <p:nvSpPr>
-          <p:cNvPr id="7" name="TextBox 4"/>
+          <p:cNvPr id="452161556" name="TextBox 4"/>
           <p:cNvSpPr/>
           <p:nvPr/>
         </p:nvSpPr>
@@ -21371,7 +21381,7 @@
       </p:sp>
       <p:pic>
         <p:nvPicPr>
-          <p:cNvPr id="8" name="Picture 6" descr="Chart&#10;&#10;Description automatically generated"/>
+          <p:cNvPr id="682980015" name="Picture 6" descr="Chart&#10;&#10;Description automatically generated"/>
           <p:cNvPicPr/>
           <p:nvPr/>
         </p:nvPicPr>
@@ -21398,7 +21408,7 @@
       </p:pic>
       <p:sp>
         <p:nvSpPr>
-          <p:cNvPr id="9" name="TextBox 9"/>
+          <p:cNvPr id="988471852" name="TextBox 9"/>
           <p:cNvSpPr/>
           <p:nvPr/>
         </p:nvSpPr>
@@ -21484,7 +21494,7 @@
       </p:grpSpPr>
       <p:sp>
         <p:nvSpPr>
-          <p:cNvPr id="2" name="Title 3"/>
+          <p:cNvPr id="1055675325" name="Title 3"/>
           <p:cNvSpPr>
             <a:spLocks noChangeArrowheads="1" noGrp="1"/>
           </p:cNvSpPr>
@@ -21539,7 +21549,7 @@
       </p:sp>
       <p:sp>
         <p:nvSpPr>
-          <p:cNvPr id="3" name="Slide Number Placeholder 17"/>
+          <p:cNvPr id="1957644845" name="Slide Number Placeholder 17"/>
           <p:cNvSpPr>
             <a:spLocks noChangeArrowheads="1" noGrp="1"/>
           </p:cNvSpPr>
@@ -21584,7 +21594,7 @@
       </p:sp>
       <p:pic>
         <p:nvPicPr>
-          <p:cNvPr id="4" name="Picture 8" descr="A picture containing text, clipart&#10;&#10;Description automatically generated"/>
+          <p:cNvPr id="2116192612" name="Picture 8" descr="A picture containing text, clipart&#10;&#10;Description automatically generated"/>
           <p:cNvPicPr>
             <a:picLocks noChangeAspect="1"/>
           </p:cNvPicPr>
@@ -21611,7 +21621,7 @@
       </p:pic>
       <p:sp>
         <p:nvSpPr>
-          <p:cNvPr id="5" name="TextBox 2"/>
+          <p:cNvPr id="1739950469" name="TextBox 2"/>
           <p:cNvSpPr/>
           <p:nvPr/>
         </p:nvSpPr>
@@ -21663,7 +21673,7 @@
       </p:sp>
       <p:sp>
         <p:nvSpPr>
-          <p:cNvPr id="6" name="Slide Number Placeholder 17"/>
+          <p:cNvPr id="808262633" name="Slide Number Placeholder 17"/>
           <p:cNvSpPr/>
           <p:nvPr/>
         </p:nvSpPr>
@@ -21803,7 +21813,7 @@
       </p:sp>
       <p:sp>
         <p:nvSpPr>
-          <p:cNvPr id="7" name="TextBox 4"/>
+          <p:cNvPr id="1840315829" name="TextBox 4"/>
           <p:cNvSpPr/>
           <p:nvPr/>
         </p:nvSpPr>
